--- a/CPSC-24700/Presentations/session-17.pptx
+++ b/CPSC-24700/Presentations/session-17.pptx
@@ -120,6 +120,10 @@
 </p:presentation>
 </file>
 
+<file path=ppt/revisionInfo.xml><?xml version="1.0" encoding="utf-8"?>
+<p1510:revInfo xmlns:a="http://schemas.openxmlformats.org/drawingml/2006/main" xmlns:r="http://schemas.openxmlformats.org/officeDocument/2006/relationships" xmlns:p1510="http://schemas.microsoft.com/office/powerpoint/2015/10/main"/>
+</file>
+
 <file path=ppt/notesMasters/notesMaster1.xml><?xml version="1.0" encoding="utf-8"?>
 <p:notesMaster xmlns:a="http://schemas.openxmlformats.org/drawingml/2006/main" xmlns:r="http://schemas.openxmlformats.org/officeDocument/2006/relationships" xmlns:p="http://schemas.openxmlformats.org/presentationml/2006/main">
   <p:cSld>
@@ -202,7 +206,7 @@
           <a:p>
             <a:fld id="{1CF91C02-A59E-4778-8D4F-4840DBBEFA68}" type="datetimeFigureOut">
               <a:rPr lang="en-US" smtClean="0"/>
-              <a:t>10/6/2017</a:t>
+              <a:t>10/9/2017</a:t>
             </a:fld>
             <a:endParaRPr lang="en-US"/>
           </a:p>
@@ -1159,7 +1163,7 @@
           <a:p>
             <a:fld id="{5FB62F81-FD80-4AA8-93CA-E835B40BE667}" type="datetimeFigureOut">
               <a:rPr lang="en-US" smtClean="0"/>
-              <a:t>10/6/2017</a:t>
+              <a:t>10/9/2017</a:t>
             </a:fld>
             <a:endParaRPr lang="en-US"/>
           </a:p>
@@ -1357,7 +1361,7 @@
           <a:p>
             <a:fld id="{5FB62F81-FD80-4AA8-93CA-E835B40BE667}" type="datetimeFigureOut">
               <a:rPr lang="en-US" smtClean="0"/>
-              <a:t>10/6/2017</a:t>
+              <a:t>10/9/2017</a:t>
             </a:fld>
             <a:endParaRPr lang="en-US"/>
           </a:p>
@@ -1565,7 +1569,7 @@
           <a:p>
             <a:fld id="{5FB62F81-FD80-4AA8-93CA-E835B40BE667}" type="datetimeFigureOut">
               <a:rPr lang="en-US" smtClean="0"/>
-              <a:t>10/6/2017</a:t>
+              <a:t>10/9/2017</a:t>
             </a:fld>
             <a:endParaRPr lang="en-US"/>
           </a:p>
@@ -1763,7 +1767,7 @@
           <a:p>
             <a:fld id="{5FB62F81-FD80-4AA8-93CA-E835B40BE667}" type="datetimeFigureOut">
               <a:rPr lang="en-US" smtClean="0"/>
-              <a:t>10/6/2017</a:t>
+              <a:t>10/9/2017</a:t>
             </a:fld>
             <a:endParaRPr lang="en-US"/>
           </a:p>
@@ -2038,7 +2042,7 @@
           <a:p>
             <a:fld id="{5FB62F81-FD80-4AA8-93CA-E835B40BE667}" type="datetimeFigureOut">
               <a:rPr lang="en-US" smtClean="0"/>
-              <a:t>10/6/2017</a:t>
+              <a:t>10/9/2017</a:t>
             </a:fld>
             <a:endParaRPr lang="en-US"/>
           </a:p>
@@ -2303,7 +2307,7 @@
           <a:p>
             <a:fld id="{5FB62F81-FD80-4AA8-93CA-E835B40BE667}" type="datetimeFigureOut">
               <a:rPr lang="en-US" smtClean="0"/>
-              <a:t>10/6/2017</a:t>
+              <a:t>10/9/2017</a:t>
             </a:fld>
             <a:endParaRPr lang="en-US"/>
           </a:p>
@@ -2715,7 +2719,7 @@
           <a:p>
             <a:fld id="{5FB62F81-FD80-4AA8-93CA-E835B40BE667}" type="datetimeFigureOut">
               <a:rPr lang="en-US" smtClean="0"/>
-              <a:t>10/6/2017</a:t>
+              <a:t>10/9/2017</a:t>
             </a:fld>
             <a:endParaRPr lang="en-US"/>
           </a:p>
@@ -2856,7 +2860,7 @@
           <a:p>
             <a:fld id="{5FB62F81-FD80-4AA8-93CA-E835B40BE667}" type="datetimeFigureOut">
               <a:rPr lang="en-US" smtClean="0"/>
-              <a:t>10/6/2017</a:t>
+              <a:t>10/9/2017</a:t>
             </a:fld>
             <a:endParaRPr lang="en-US"/>
           </a:p>
@@ -2969,7 +2973,7 @@
           <a:p>
             <a:fld id="{5FB62F81-FD80-4AA8-93CA-E835B40BE667}" type="datetimeFigureOut">
               <a:rPr lang="en-US" smtClean="0"/>
-              <a:t>10/6/2017</a:t>
+              <a:t>10/9/2017</a:t>
             </a:fld>
             <a:endParaRPr lang="en-US"/>
           </a:p>
@@ -3280,7 +3284,7 @@
           <a:p>
             <a:fld id="{5FB62F81-FD80-4AA8-93CA-E835B40BE667}" type="datetimeFigureOut">
               <a:rPr lang="en-US" smtClean="0"/>
-              <a:t>10/6/2017</a:t>
+              <a:t>10/9/2017</a:t>
             </a:fld>
             <a:endParaRPr lang="en-US"/>
           </a:p>
@@ -3568,7 +3572,7 @@
           <a:p>
             <a:fld id="{5FB62F81-FD80-4AA8-93CA-E835B40BE667}" type="datetimeFigureOut">
               <a:rPr lang="en-US" smtClean="0"/>
-              <a:t>10/6/2017</a:t>
+              <a:t>10/9/2017</a:t>
             </a:fld>
             <a:endParaRPr lang="en-US"/>
           </a:p>
@@ -3809,7 +3813,7 @@
           <a:p>
             <a:fld id="{5FB62F81-FD80-4AA8-93CA-E835B40BE667}" type="datetimeFigureOut">
               <a:rPr lang="en-US" smtClean="0"/>
-              <a:t>10/6/2017</a:t>
+              <a:t>10/9/2017</a:t>
             </a:fld>
             <a:endParaRPr lang="en-US"/>
           </a:p>
@@ -4333,7 +4337,7 @@
             </a:pPr>
             <a:r>
               <a:rPr lang="en-US" sz="2000" dirty="0"/>
-              <a:t>JavaScript and HTML </a:t>
+              <a:t>JavaScript and HTML*</a:t>
             </a:r>
           </a:p>
           <a:p>
@@ -4544,7 +4548,7 @@
           <a:p>
             <a:r>
               <a:rPr lang="en-US" sz="2000" dirty="0"/>
-              <a:t>Use your version of Yahtzee Dice Roller “Hello World” application to complete the Google Maps JavaScript Getting Started tutorial [link]</a:t>
+              <a:t>Use your version of Yahtzee Dice Roller “Hello World” application to complete the Google Maps JavaScript Getting Started tutorial </a:t>
             </a:r>
           </a:p>
           <a:p>
@@ -4747,15 +4751,7 @@
           <a:p>
             <a:r>
               <a:rPr lang="en-US" sz="2000" dirty="0"/>
-              <a:t>… this is the start of </a:t>
-            </a:r>
-            <a:r>
-              <a:rPr lang="en-US" sz="2000" u="sng" dirty="0"/>
-              <a:t>Project 3</a:t>
-            </a:r>
-            <a:r>
-              <a:rPr lang="en-US" sz="2000" dirty="0"/>
-              <a:t> which will be due Wednesday, Oct 18  </a:t>
+              <a:t>Project 3, project 3, and more project 3</a:t>
             </a:r>
           </a:p>
           <a:p>
@@ -4776,7 +4772,7 @@
             </a:pPr>
             <a:r>
               <a:rPr lang="en-US" sz="2000" dirty="0"/>
-              <a:t>Quiz 3 is available and is due Wednesday, Oct 11</a:t>
+              <a:t>Quiz 3 is due Wednesday by 11:59pm</a:t>
             </a:r>
           </a:p>
           <a:p>
@@ -4793,7 +4789,16 @@
             </a:r>
             <a:r>
               <a:rPr lang="en-US" sz="2000" dirty="0"/>
-              <a:t> is scheduled for Friday, Oct 13</a:t>
+              <a:t> is scheduled for Monday, Oct 16… this is a change</a:t>
+            </a:r>
+          </a:p>
+          <a:p>
+            <a:pPr marL="0" indent="0">
+              <a:buNone/>
+            </a:pPr>
+            <a:r>
+              <a:rPr lang="en-US" sz="2000" dirty="0"/>
+              <a:t>Project 3 is due at the end of next week… this is also a change</a:t>
             </a:r>
           </a:p>
         </p:txBody>
@@ -4852,14 +4857,14 @@
           <a:p>
             <a:r>
               <a:rPr lang="en-US" sz="4800" dirty="0"/>
-              <a:t>Week 6 Lab: </a:t>
+              <a:t>Week 7 Lab: </a:t>
             </a:r>
             <a:br>
               <a:rPr lang="en-US" sz="4800" dirty="0"/>
             </a:br>
             <a:r>
               <a:rPr lang="en-US" sz="4800" dirty="0"/>
-              <a:t>JavaScript and HTML Interaction</a:t>
+              <a:t>Google Maps!</a:t>
             </a:r>
           </a:p>
         </p:txBody>

--- a/CPSC-24700/Presentations/session-17.pptx
+++ b/CPSC-24700/Presentations/session-17.pptx
@@ -10,8 +10,8 @@
   <p:sldIdLst>
     <p:sldId id="257" r:id="rId2"/>
     <p:sldId id="291" r:id="rId3"/>
-    <p:sldId id="300" r:id="rId4"/>
-    <p:sldId id="295" r:id="rId5"/>
+    <p:sldId id="301" r:id="rId4"/>
+    <p:sldId id="300" r:id="rId5"/>
     <p:sldId id="299" r:id="rId6"/>
     <p:sldId id="263" r:id="rId7"/>
   </p:sldIdLst>
@@ -536,7 +536,7 @@
             </a:pPr>
             <a:r>
               <a:rPr lang="en-US" dirty="0"/>
-              <a:t>Note that pdf versions of presentations should now support embedded links.</a:t>
+              <a:t>Note that there are date changed for Exam 1 and Assignment 3</a:t>
             </a:r>
           </a:p>
           <a:p>
@@ -735,18 +735,18 @@
           <a:bodyPr/>
           <a:lstStyle/>
           <a:p>
-            <a:fld id="{5394DE12-7B9B-46AA-AC19-C30A49928B9B}" type="slidenum">
+            <a:fld id="{23B99BB9-C7F6-43B3-A122-46088ABB36FB}" type="slidenum">
               <a:rPr lang="en-US" smtClean="0"/>
               <a:t>3</a:t>
             </a:fld>
-            <a:endParaRPr lang="en-US" dirty="0"/>
+            <a:endParaRPr lang="en-US"/>
           </a:p>
         </p:txBody>
       </p:sp>
     </p:spTree>
     <p:extLst>
       <p:ext uri="{BB962C8B-B14F-4D97-AF65-F5344CB8AC3E}">
-        <p14:creationId xmlns:p14="http://schemas.microsoft.com/office/powerpoint/2010/main" val="1150630978"/>
+        <p14:creationId xmlns:p14="http://schemas.microsoft.com/office/powerpoint/2010/main" val="1809836636"/>
       </p:ext>
     </p:extLst>
   </p:cSld>
@@ -819,18 +819,18 @@
           <a:bodyPr/>
           <a:lstStyle/>
           <a:p>
-            <a:fld id="{23B99BB9-C7F6-43B3-A122-46088ABB36FB}" type="slidenum">
+            <a:fld id="{5394DE12-7B9B-46AA-AC19-C30A49928B9B}" type="slidenum">
               <a:rPr lang="en-US" smtClean="0"/>
               <a:t>4</a:t>
             </a:fld>
-            <a:endParaRPr lang="en-US"/>
+            <a:endParaRPr lang="en-US" dirty="0"/>
           </a:p>
         </p:txBody>
       </p:sp>
     </p:spTree>
     <p:extLst>
       <p:ext uri="{BB962C8B-B14F-4D97-AF65-F5344CB8AC3E}">
-        <p14:creationId xmlns:p14="http://schemas.microsoft.com/office/powerpoint/2010/main" val="3910425949"/>
+        <p14:creationId xmlns:p14="http://schemas.microsoft.com/office/powerpoint/2010/main" val="1150630978"/>
       </p:ext>
     </p:extLst>
   </p:cSld>
@@ -4337,7 +4337,7 @@
             </a:pPr>
             <a:r>
               <a:rPr lang="en-US" sz="2000" dirty="0"/>
-              <a:t>JavaScript and HTML*</a:t>
+              <a:t>Today’s Assignments... including Midterm Exam Study Guide</a:t>
             </a:r>
           </a:p>
           <a:p>
@@ -4347,7 +4347,7 @@
             </a:pPr>
             <a:r>
               <a:rPr lang="en-US" sz="2000" dirty="0"/>
-              <a:t>Review Midterm Exam Study Guide</a:t>
+              <a:t>JavaScript and HTML</a:t>
             </a:r>
           </a:p>
           <a:p>
@@ -4357,17 +4357,7 @@
             </a:pPr>
             <a:r>
               <a:rPr lang="en-US" sz="2000" dirty="0"/>
-              <a:t>Assignments and Pre-lab Wrap-up</a:t>
-            </a:r>
-          </a:p>
-          <a:p>
-            <a:pPr marL="457200" indent="-457200">
-              <a:buFont typeface="+mj-lt"/>
-              <a:buAutoNum type="arabicPeriod"/>
-            </a:pPr>
-            <a:r>
-              <a:rPr lang="en-US" sz="2000" dirty="0"/>
-              <a:t>Week 7 Lab: JavaScript and HTML Interaction</a:t>
+              <a:t>Week 7 Lab: Google Maps!</a:t>
             </a:r>
           </a:p>
           <a:p>
@@ -4603,18 +4593,24 @@
       </p:grpSpPr>
       <p:sp>
         <p:nvSpPr>
-          <p:cNvPr id="2" name="Title 1"/>
-          <p:cNvSpPr>
-            <a:spLocks noGrp="1"/>
-          </p:cNvSpPr>
-          <p:nvPr>
-            <p:ph type="ctrTitle"/>
+          <p:cNvPr id="4" name="Title 1">
+            <a:extLst>
+              <a:ext uri="{FF2B5EF4-FFF2-40B4-BE49-F238E27FC236}">
+                <a16:creationId xmlns:a16="http://schemas.microsoft.com/office/drawing/2014/main" id="{527CE47F-3EF6-48CA-9239-E8B6E5C6B41A}"/>
+              </a:ext>
+            </a:extLst>
+          </p:cNvPr>
+          <p:cNvSpPr>
+            <a:spLocks noGrp="1"/>
+          </p:cNvSpPr>
+          <p:nvPr>
+            <p:ph type="title"/>
           </p:nvPr>
         </p:nvSpPr>
         <p:spPr>
           <a:xfrm>
-            <a:off x="1524000" y="1122362"/>
-            <a:ext cx="9144000" cy="3078009"/>
+            <a:off x="838200" y="365125"/>
+            <a:ext cx="10515600" cy="1325563"/>
           </a:xfrm>
         </p:spPr>
         <p:txBody>
@@ -4624,8 +4620,122 @@
           <a:lstStyle/>
           <a:p>
             <a:r>
-              <a:rPr lang="en-US" sz="4800" dirty="0"/>
-              <a:t>JavaScript and HTML</a:t>
+              <a:rPr lang="en-US" sz="3600" dirty="0"/>
+              <a:t>Todays Assignment</a:t>
+            </a:r>
+          </a:p>
+        </p:txBody>
+      </p:sp>
+      <p:sp>
+        <p:nvSpPr>
+          <p:cNvPr id="5" name="Content Placeholder 2">
+            <a:extLst>
+              <a:ext uri="{FF2B5EF4-FFF2-40B4-BE49-F238E27FC236}">
+                <a16:creationId xmlns:a16="http://schemas.microsoft.com/office/drawing/2014/main" id="{E8F0EA9A-219C-40FD-AE36-784EE1B77D56}"/>
+              </a:ext>
+            </a:extLst>
+          </p:cNvPr>
+          <p:cNvSpPr>
+            <a:spLocks noGrp="1"/>
+          </p:cNvSpPr>
+          <p:nvPr>
+            <p:ph idx="1"/>
+          </p:nvPr>
+        </p:nvSpPr>
+        <p:spPr>
+          <a:xfrm>
+            <a:off x="838198" y="1525772"/>
+            <a:ext cx="10515601" cy="4651191"/>
+          </a:xfrm>
+        </p:spPr>
+        <p:txBody>
+          <a:bodyPr>
+            <a:normAutofit/>
+          </a:bodyPr>
+          <a:lstStyle/>
+          <a:p>
+            <a:pPr marL="0" indent="0">
+              <a:spcBef>
+                <a:spcPts val="4800"/>
+              </a:spcBef>
+              <a:buNone/>
+            </a:pPr>
+            <a:r>
+              <a:rPr lang="en-US" sz="2000" u="sng" dirty="0"/>
+              <a:t>Assignment (before next class):</a:t>
+            </a:r>
+            <a:endParaRPr lang="en-US" sz="2000" dirty="0"/>
+          </a:p>
+          <a:p>
+            <a:r>
+              <a:rPr lang="en-US" sz="2000" dirty="0"/>
+              <a:t>Use your version of Yahtzee Dice Roller “Hello World” application to complete the Google Maps JavaScript Getting Started tutorial </a:t>
+            </a:r>
+            <a:r>
+              <a:rPr lang="en-US" sz="2000" dirty="0">
+                <a:hlinkClick r:id="rId3"/>
+              </a:rPr>
+              <a:t>[link]</a:t>
+            </a:r>
+            <a:endParaRPr lang="en-US" sz="2000" dirty="0"/>
+          </a:p>
+          <a:p>
+            <a:r>
+              <a:rPr lang="en-US" sz="2000" dirty="0"/>
+              <a:t>Project 3, project 3, and more project 3</a:t>
+            </a:r>
+          </a:p>
+          <a:p>
+            <a:r>
+              <a:rPr lang="en-US" sz="2000" dirty="0"/>
+              <a:t>Review Midterm Exam #1 Study Guide </a:t>
+            </a:r>
+          </a:p>
+          <a:p>
+            <a:pPr marL="0" indent="0">
+              <a:buNone/>
+            </a:pPr>
+            <a:endParaRPr lang="en-US" sz="2000" dirty="0"/>
+          </a:p>
+          <a:p>
+            <a:pPr marL="0" indent="0">
+              <a:buNone/>
+            </a:pPr>
+            <a:endParaRPr lang="en-US" sz="2000" dirty="0"/>
+          </a:p>
+          <a:p>
+            <a:pPr marL="0" indent="0">
+              <a:buNone/>
+            </a:pPr>
+            <a:r>
+              <a:rPr lang="en-US" sz="2000" dirty="0"/>
+              <a:t>Quiz 3 is due Wednesday by 11:59pm</a:t>
+            </a:r>
+          </a:p>
+          <a:p>
+            <a:pPr marL="0" indent="0">
+              <a:buNone/>
+            </a:pPr>
+            <a:r>
+              <a:rPr lang="en-US" sz="2000" dirty="0"/>
+              <a:t>Note that </a:t>
+            </a:r>
+            <a:r>
+              <a:rPr lang="en-US" sz="2000" u="sng" dirty="0"/>
+              <a:t>Midterm Exam 1</a:t>
+            </a:r>
+            <a:r>
+              <a:rPr lang="en-US" sz="2000" dirty="0"/>
+              <a:t> is scheduled for Monday, Oct 16… this is a change</a:t>
+            </a:r>
+          </a:p>
+          <a:p>
+            <a:pPr marL="0" indent="0">
+              <a:buNone/>
+            </a:pPr>
+            <a:r>
+              <a:rPr lang="en-US" sz="2000" dirty="0"/>
+              <a:t>Project 3 is due at the end of next week… this is also a change</a:t>
             </a:r>
           </a:p>
         </p:txBody>
@@ -4633,7 +4743,7 @@
     </p:spTree>
     <p:extLst>
       <p:ext uri="{BB962C8B-B14F-4D97-AF65-F5344CB8AC3E}">
-        <p14:creationId xmlns:p14="http://schemas.microsoft.com/office/powerpoint/2010/main" val="3613086193"/>
+        <p14:creationId xmlns:p14="http://schemas.microsoft.com/office/powerpoint/2010/main" val="3819419734"/>
       </p:ext>
     </p:extLst>
   </p:cSld>
@@ -4662,24 +4772,18 @@
       </p:grpSpPr>
       <p:sp>
         <p:nvSpPr>
-          <p:cNvPr id="4" name="Title 1">
-            <a:extLst>
-              <a:ext uri="{FF2B5EF4-FFF2-40B4-BE49-F238E27FC236}">
-                <a16:creationId xmlns:a16="http://schemas.microsoft.com/office/drawing/2014/main" id="{527CE47F-3EF6-48CA-9239-E8B6E5C6B41A}"/>
-              </a:ext>
-            </a:extLst>
-          </p:cNvPr>
-          <p:cNvSpPr>
-            <a:spLocks noGrp="1"/>
-          </p:cNvSpPr>
-          <p:nvPr>
-            <p:ph type="title"/>
+          <p:cNvPr id="2" name="Title 1"/>
+          <p:cNvSpPr>
+            <a:spLocks noGrp="1"/>
+          </p:cNvSpPr>
+          <p:nvPr>
+            <p:ph type="ctrTitle"/>
           </p:nvPr>
         </p:nvSpPr>
         <p:spPr>
           <a:xfrm>
-            <a:off x="838200" y="365125"/>
-            <a:ext cx="10515600" cy="1325563"/>
+            <a:off x="1524000" y="1122362"/>
+            <a:ext cx="9144000" cy="3078009"/>
           </a:xfrm>
         </p:spPr>
         <p:txBody>
@@ -4689,116 +4793,8 @@
           <a:lstStyle/>
           <a:p>
             <a:r>
-              <a:rPr lang="en-US" sz="3600" dirty="0"/>
-              <a:t>Todays Assignment and Pre-lab Wrap-up</a:t>
-            </a:r>
-          </a:p>
-        </p:txBody>
-      </p:sp>
-      <p:sp>
-        <p:nvSpPr>
-          <p:cNvPr id="5" name="Content Placeholder 2">
-            <a:extLst>
-              <a:ext uri="{FF2B5EF4-FFF2-40B4-BE49-F238E27FC236}">
-                <a16:creationId xmlns:a16="http://schemas.microsoft.com/office/drawing/2014/main" id="{E8F0EA9A-219C-40FD-AE36-784EE1B77D56}"/>
-              </a:ext>
-            </a:extLst>
-          </p:cNvPr>
-          <p:cNvSpPr>
-            <a:spLocks noGrp="1"/>
-          </p:cNvSpPr>
-          <p:nvPr>
-            <p:ph idx="1"/>
-          </p:nvPr>
-        </p:nvSpPr>
-        <p:spPr>
-          <a:xfrm>
-            <a:off x="838198" y="1525772"/>
-            <a:ext cx="10515601" cy="4651191"/>
-          </a:xfrm>
-        </p:spPr>
-        <p:txBody>
-          <a:bodyPr>
-            <a:normAutofit/>
-          </a:bodyPr>
-          <a:lstStyle/>
-          <a:p>
-            <a:pPr marL="0" indent="0">
-              <a:spcBef>
-                <a:spcPts val="4800"/>
-              </a:spcBef>
-              <a:buNone/>
-            </a:pPr>
-            <a:r>
-              <a:rPr lang="en-US" sz="2000" u="sng" dirty="0"/>
-              <a:t>Assignment (before next class):</a:t>
-            </a:r>
-            <a:endParaRPr lang="en-US" sz="2000" dirty="0"/>
-          </a:p>
-          <a:p>
-            <a:r>
-              <a:rPr lang="en-US" sz="2000" dirty="0"/>
-              <a:t>Use your version of Yahtzee Dice Roller “Hello World” application to complete the Google Maps JavaScript Getting Started tutorial </a:t>
-            </a:r>
-            <a:r>
-              <a:rPr lang="en-US" sz="2000" dirty="0">
-                <a:hlinkClick r:id="rId3"/>
-              </a:rPr>
-              <a:t>[link]</a:t>
-            </a:r>
-            <a:endParaRPr lang="en-US" sz="2000" dirty="0"/>
-          </a:p>
-          <a:p>
-            <a:r>
-              <a:rPr lang="en-US" sz="2000" dirty="0"/>
-              <a:t>Project 3, project 3, and more project 3</a:t>
-            </a:r>
-          </a:p>
-          <a:p>
-            <a:pPr marL="0" indent="0">
-              <a:buNone/>
-            </a:pPr>
-            <a:endParaRPr lang="en-US" sz="2000" dirty="0"/>
-          </a:p>
-          <a:p>
-            <a:pPr marL="0" indent="0">
-              <a:buNone/>
-            </a:pPr>
-            <a:endParaRPr lang="en-US" sz="2000" dirty="0"/>
-          </a:p>
-          <a:p>
-            <a:pPr marL="0" indent="0">
-              <a:buNone/>
-            </a:pPr>
-            <a:r>
-              <a:rPr lang="en-US" sz="2000" dirty="0"/>
-              <a:t>Quiz 3 is due Wednesday by 11:59pm</a:t>
-            </a:r>
-          </a:p>
-          <a:p>
-            <a:pPr marL="0" indent="0">
-              <a:buNone/>
-            </a:pPr>
-            <a:r>
-              <a:rPr lang="en-US" sz="2000" dirty="0"/>
-              <a:t>Note that </a:t>
-            </a:r>
-            <a:r>
-              <a:rPr lang="en-US" sz="2000" u="sng" dirty="0"/>
-              <a:t>Midterm Exam 1</a:t>
-            </a:r>
-            <a:r>
-              <a:rPr lang="en-US" sz="2000" dirty="0"/>
-              <a:t> is scheduled for Monday, Oct 16… this is a change</a:t>
-            </a:r>
-          </a:p>
-          <a:p>
-            <a:pPr marL="0" indent="0">
-              <a:buNone/>
-            </a:pPr>
-            <a:r>
-              <a:rPr lang="en-US" sz="2000" dirty="0"/>
-              <a:t>Project 3 is due at the end of next week… this is also a change</a:t>
+              <a:rPr lang="en-US" sz="4800" dirty="0"/>
+              <a:t>JavaScript and HTML</a:t>
             </a:r>
           </a:p>
         </p:txBody>
@@ -4806,7 +4802,7 @@
     </p:spTree>
     <p:extLst>
       <p:ext uri="{BB962C8B-B14F-4D97-AF65-F5344CB8AC3E}">
-        <p14:creationId xmlns:p14="http://schemas.microsoft.com/office/powerpoint/2010/main" val="3057990262"/>
+        <p14:creationId xmlns:p14="http://schemas.microsoft.com/office/powerpoint/2010/main" val="3613086193"/>
       </p:ext>
     </p:extLst>
   </p:cSld>
